--- a/Intro_Presentation.pptx
+++ b/Intro_Presentation.pptx
@@ -264,7 +264,7 @@
           <a:p>
             <a:fld id="{6AD6EE87-EBD5-4F12-A48A-63ACA297AC8F}" type="datetimeFigureOut">
               <a:rPr lang="en-US" dirty="0"/>
-              <a:t>11/6/2014</a:t>
+              <a:t>11/10/2014</a:t>
             </a:fld>
             <a:endParaRPr lang="en-US" dirty="0"/>
           </a:p>
@@ -306,7 +306,7 @@
           <a:p>
             <a:fld id="{4FAB73BC-B049-4115-A692-8D63A059BFB8}" type="slidenum">
               <a:rPr lang="en-US" dirty="0"/>
-              <a:t>‹#›</a:t>
+              <a:t>‹Nr.›</a:t>
             </a:fld>
             <a:endParaRPr lang="en-US" dirty="0"/>
           </a:p>
@@ -502,7 +502,7 @@
           <a:p>
             <a:fld id="{4CD73815-2707-4475-8F1A-B873CB631BB4}" type="datetimeFigureOut">
               <a:rPr lang="en-US" dirty="0"/>
-              <a:t>11/6/2014</a:t>
+              <a:t>11/10/2014</a:t>
             </a:fld>
             <a:endParaRPr lang="en-US" dirty="0"/>
           </a:p>
@@ -544,7 +544,7 @@
           <a:p>
             <a:fld id="{4FAB73BC-B049-4115-A692-8D63A059BFB8}" type="slidenum">
               <a:rPr lang="en-US" dirty="0"/>
-              <a:t>‹#›</a:t>
+              <a:t>‹Nr.›</a:t>
             </a:fld>
             <a:endParaRPr lang="en-US" dirty="0"/>
           </a:p>
@@ -677,7 +677,7 @@
           <a:p>
             <a:fld id="{2A4AFB99-0EAB-4182-AFF8-E214C82A68F6}" type="datetimeFigureOut">
               <a:rPr lang="en-US" dirty="0"/>
-              <a:t>11/6/2014</a:t>
+              <a:t>11/10/2014</a:t>
             </a:fld>
             <a:endParaRPr lang="en-US" dirty="0"/>
           </a:p>
@@ -719,7 +719,7 @@
           <a:p>
             <a:fld id="{4FAB73BC-B049-4115-A692-8D63A059BFB8}" type="slidenum">
               <a:rPr lang="en-US" dirty="0"/>
-              <a:t>‹#›</a:t>
+              <a:t>‹Nr.›</a:t>
             </a:fld>
             <a:endParaRPr lang="en-US" dirty="0"/>
           </a:p>
@@ -877,7 +877,7 @@
           <a:p>
             <a:fld id="{A5D3794B-289A-4A80-97D7-111025398D45}" type="datetimeFigureOut">
               <a:rPr lang="en-US" dirty="0"/>
-              <a:t>11/6/2014</a:t>
+              <a:t>11/10/2014</a:t>
             </a:fld>
             <a:endParaRPr lang="en-US" dirty="0"/>
           </a:p>
@@ -919,7 +919,7 @@
           <a:p>
             <a:fld id="{4FAB73BC-B049-4115-A692-8D63A059BFB8}" type="slidenum">
               <a:rPr lang="en-US" dirty="0"/>
-              <a:t>‹#›</a:t>
+              <a:t>‹Nr.›</a:t>
             </a:fld>
             <a:endParaRPr lang="en-US" dirty="0"/>
           </a:p>
@@ -1129,7 +1129,7 @@
           <a:p>
             <a:fld id="{5A61015F-7CC6-4D0A-9D87-873EA4C304CC}" type="datetimeFigureOut">
               <a:rPr lang="en-US" dirty="0"/>
-              <a:t>11/6/2014</a:t>
+              <a:t>11/10/2014</a:t>
             </a:fld>
             <a:endParaRPr lang="en-US" dirty="0"/>
           </a:p>
@@ -1171,7 +1171,7 @@
           <a:p>
             <a:fld id="{4FAB73BC-B049-4115-A692-8D63A059BFB8}" type="slidenum">
               <a:rPr lang="en-US" dirty="0"/>
-              <a:t>‹#›</a:t>
+              <a:t>‹Nr.›</a:t>
             </a:fld>
             <a:endParaRPr lang="en-US" dirty="0"/>
           </a:p>
@@ -1471,7 +1471,7 @@
           <a:p>
             <a:fld id="{93C6A301-0538-44EC-B09D-202E1042A48B}" type="datetimeFigureOut">
               <a:rPr lang="en-US" dirty="0"/>
-              <a:t>11/6/2014</a:t>
+              <a:t>11/10/2014</a:t>
             </a:fld>
             <a:endParaRPr lang="en-US" dirty="0"/>
           </a:p>
@@ -1513,7 +1513,7 @@
           <a:p>
             <a:fld id="{4FAB73BC-B049-4115-A692-8D63A059BFB8}" type="slidenum">
               <a:rPr lang="en-US" dirty="0"/>
-              <a:t>‹#›</a:t>
+              <a:t>‹Nr.›</a:t>
             </a:fld>
             <a:endParaRPr lang="en-US" dirty="0"/>
           </a:p>
@@ -1868,7 +1868,7 @@
           <a:p>
             <a:fld id="{D789574A-8875-45EF-8EA2-3CAA0F7ABC4C}" type="datetimeFigureOut">
               <a:rPr lang="en-US" dirty="0"/>
-              <a:t>11/6/2014</a:t>
+              <a:t>11/10/2014</a:t>
             </a:fld>
             <a:endParaRPr lang="en-US" dirty="0"/>
           </a:p>
@@ -1910,7 +1910,7 @@
           <a:p>
             <a:fld id="{4FAB73BC-B049-4115-A692-8D63A059BFB8}" type="slidenum">
               <a:rPr lang="en-US" dirty="0"/>
-              <a:t>‹#›</a:t>
+              <a:t>‹Nr.›</a:t>
             </a:fld>
             <a:endParaRPr lang="en-US" dirty="0"/>
           </a:p>
@@ -1981,7 +1981,7 @@
           <a:p>
             <a:fld id="{67EF4D4C-5367-4C26-9E2B-D8088D7FCA81}" type="datetimeFigureOut">
               <a:rPr lang="en-US" dirty="0"/>
-              <a:t>11/6/2014</a:t>
+              <a:t>11/10/2014</a:t>
             </a:fld>
             <a:endParaRPr lang="en-US" dirty="0"/>
           </a:p>
@@ -2023,7 +2023,7 @@
           <a:p>
             <a:fld id="{4FAB73BC-B049-4115-A692-8D63A059BFB8}" type="slidenum">
               <a:rPr lang="en-US" dirty="0"/>
-              <a:t>‹#›</a:t>
+              <a:t>‹Nr.›</a:t>
             </a:fld>
             <a:endParaRPr lang="en-US" dirty="0"/>
           </a:p>
@@ -2071,7 +2071,7 @@
           <a:p>
             <a:fld id="{56E91E96-98B0-4413-9547-46F3504108EF}" type="datetimeFigureOut">
               <a:rPr lang="en-US" dirty="0"/>
-              <a:t>11/6/2014</a:t>
+              <a:t>11/10/2014</a:t>
             </a:fld>
             <a:endParaRPr lang="en-US" dirty="0"/>
           </a:p>
@@ -2113,7 +2113,7 @@
           <a:p>
             <a:fld id="{4FAB73BC-B049-4115-A692-8D63A059BFB8}" type="slidenum">
               <a:rPr lang="en-US" dirty="0"/>
-              <a:t>‹#›</a:t>
+              <a:t>‹Nr.›</a:t>
             </a:fld>
             <a:endParaRPr lang="en-US" dirty="0"/>
           </a:p>
@@ -2356,7 +2356,7 @@
           <a:p>
             <a:fld id="{05C68B11-C5A8-448C-8CE9-B1A273C79CFC}" type="datetimeFigureOut">
               <a:rPr lang="en-US" dirty="0"/>
-              <a:t>11/6/2014</a:t>
+              <a:t>11/10/2014</a:t>
             </a:fld>
             <a:endParaRPr lang="en-US" dirty="0"/>
           </a:p>
@@ -2398,7 +2398,7 @@
           <a:p>
             <a:fld id="{4FAB73BC-B049-4115-A692-8D63A059BFB8}" type="slidenum">
               <a:rPr lang="en-US" dirty="0"/>
-              <a:t>‹#›</a:t>
+              <a:t>‹Nr.›</a:t>
             </a:fld>
             <a:endParaRPr lang="en-US" dirty="0"/>
           </a:p>
@@ -2631,7 +2631,7 @@
           <a:p>
             <a:fld id="{C7616CA0-919D-4A49-9C8A-62FDFB3A5183}" type="datetimeFigureOut">
               <a:rPr lang="en-US" dirty="0"/>
-              <a:t>11/6/2014</a:t>
+              <a:t>11/10/2014</a:t>
             </a:fld>
             <a:endParaRPr lang="en-US" dirty="0"/>
           </a:p>
@@ -2673,7 +2673,7 @@
           <a:p>
             <a:fld id="{867E5644-1E61-4311-A31E-84CB9C7AA8A9}" type="slidenum">
               <a:rPr lang="en-US" dirty="0"/>
-              <a:t>‹#›</a:t>
+              <a:t>‹Nr.›</a:t>
             </a:fld>
             <a:endParaRPr lang="en-US" dirty="0"/>
           </a:p>
@@ -2877,7 +2877,7 @@
             <a:fld id="{90298CD5-6C1E-4009-B41F-6DF62E31D3BE}" type="datetimeFigureOut">
               <a:rPr lang="en-US" dirty="0"/>
               <a:pPr/>
-              <a:t>11/6/2014</a:t>
+              <a:t>11/10/2014</a:t>
             </a:fld>
             <a:endParaRPr lang="en-US" dirty="0"/>
           </a:p>
@@ -2960,7 +2960,7 @@
             <a:fld id="{4FAB73BC-B049-4115-A692-8D63A059BFB8}" type="slidenum">
               <a:rPr lang="en-US" dirty="0"/>
               <a:pPr/>
-              <a:t>‹#›</a:t>
+              <a:t>‹Nr.›</a:t>
             </a:fld>
             <a:endParaRPr lang="en-US" dirty="0"/>
           </a:p>
@@ -3452,6 +3452,13 @@
   <p:clrMapOvr>
     <a:masterClrMapping/>
   </p:clrMapOvr>
+  <p:timing>
+    <p:tnLst>
+      <p:par>
+        <p:cTn id="1" dur="indefinite" restart="never" nodeType="tmRoot"/>
+      </p:par>
+    </p:tnLst>
+  </p:timing>
 </p:sld>
 </file>
 
@@ -3582,7 +3589,15 @@
             </a:pPr>
             <a:r>
               <a:rPr lang="en-US" dirty="0" smtClean="0"/>
-              <a:t>It free your mind to think of something else, while your watch makes the remainders for you.</a:t>
+              <a:t>It </a:t>
+            </a:r>
+            <a:r>
+              <a:rPr lang="en-US" dirty="0" smtClean="0"/>
+              <a:t>frees </a:t>
+            </a:r>
+            <a:r>
+              <a:rPr lang="en-US" dirty="0" smtClean="0"/>
+              <a:t>your mind to think of something else, while your watch makes the remainders for you.</a:t>
             </a:r>
           </a:p>
           <a:p>
@@ -3715,19 +3730,43 @@
           <a:p>
             <a:r>
               <a:rPr lang="en-US" dirty="0" smtClean="0"/>
-              <a:t>The main door is NFC enabled, and the remainders are triggered at the moment you leave the house</a:t>
-            </a:r>
-          </a:p>
-          <a:p>
-            <a:r>
-              <a:rPr lang="en-US" dirty="0" smtClean="0"/>
-              <a:t>The remainders can be dismissed by a swipe on your Watch or if you prefer on your phone</a:t>
-            </a:r>
-          </a:p>
-          <a:p>
-            <a:r>
-              <a:rPr lang="en-US" dirty="0" smtClean="0"/>
-              <a:t>Using Android Wear OS we can make a quick implementation</a:t>
+              <a:t>The main door is NFC enabled, and the </a:t>
+            </a:r>
+            <a:r>
+              <a:rPr lang="en-US" dirty="0" smtClean="0"/>
+              <a:t>reminders </a:t>
+            </a:r>
+            <a:r>
+              <a:rPr lang="en-US" dirty="0" smtClean="0"/>
+              <a:t>are triggered at the moment you leave the house</a:t>
+            </a:r>
+          </a:p>
+          <a:p>
+            <a:r>
+              <a:rPr lang="en-US" dirty="0" smtClean="0"/>
+              <a:t>The </a:t>
+            </a:r>
+            <a:r>
+              <a:rPr lang="en-US" dirty="0" smtClean="0"/>
+              <a:t>reminders </a:t>
+            </a:r>
+            <a:r>
+              <a:rPr lang="en-US" dirty="0" smtClean="0"/>
+              <a:t>can be dismissed by a swipe on your Watch or if you prefer on your phone</a:t>
+            </a:r>
+          </a:p>
+          <a:p>
+            <a:r>
+              <a:rPr lang="en-US" dirty="0" smtClean="0"/>
+              <a:t>Using Android Wear OS </a:t>
+            </a:r>
+            <a:r>
+              <a:rPr lang="en-US" dirty="0" smtClean="0"/>
+              <a:t>we can realize a </a:t>
+            </a:r>
+            <a:r>
+              <a:rPr lang="en-US" dirty="0" smtClean="0"/>
+              <a:t>quick implementation</a:t>
             </a:r>
             <a:endParaRPr lang="en-US" dirty="0"/>
           </a:p>
@@ -3743,6 +3782,13 @@
   <p:clrMapOvr>
     <a:masterClrMapping/>
   </p:clrMapOvr>
+  <p:timing>
+    <p:tnLst>
+      <p:par>
+        <p:cTn id="1" dur="indefinite" restart="never" nodeType="tmRoot"/>
+      </p:par>
+    </p:tnLst>
+  </p:timing>
 </p:sld>
 </file>
 
@@ -3810,8 +3856,44 @@
             <a:pPr lvl="1"/>
             <a:r>
               <a:rPr lang="en-US" dirty="0" smtClean="0"/>
-              <a:t>Arduino NFC Shield</a:t>
-            </a:r>
+              <a:t>Arduino NFC </a:t>
+            </a:r>
+            <a:r>
+              <a:rPr lang="en-US" dirty="0" smtClean="0"/>
+              <a:t>Shield</a:t>
+            </a:r>
+          </a:p>
+          <a:p>
+            <a:pPr lvl="1"/>
+            <a:r>
+              <a:rPr lang="de-DE" b="1" dirty="0" err="1">
+                <a:hlinkClick r:id="rId2"/>
+              </a:rPr>
+              <a:t>Seeed</a:t>
+            </a:r>
+            <a:r>
+              <a:rPr lang="de-DE" b="1" dirty="0">
+                <a:hlinkClick r:id="rId2"/>
+              </a:rPr>
+              <a:t> Micro BLE Module</a:t>
+            </a:r>
+            <a:r>
+              <a:rPr lang="de-DE" b="1" dirty="0"/>
+              <a:t> + </a:t>
+            </a:r>
+            <a:r>
+              <a:rPr lang="de-DE" b="1" dirty="0">
+                <a:hlinkClick r:id="rId3"/>
+              </a:rPr>
+              <a:t>Grove - </a:t>
+            </a:r>
+            <a:r>
+              <a:rPr lang="de-DE" b="1" dirty="0" smtClean="0">
+                <a:hlinkClick r:id="rId3"/>
+              </a:rPr>
+              <a:t>NFC</a:t>
+            </a:r>
+            <a:endParaRPr lang="en-US" dirty="0" smtClean="0"/>
           </a:p>
           <a:p>
             <a:pPr lvl="2"/>
@@ -3827,7 +3909,11 @@
             <a:pPr lvl="1"/>
             <a:r>
               <a:rPr lang="en-US" dirty="0" smtClean="0"/>
-              <a:t>Direct connection with phone</a:t>
+              <a:t>Direct connection with </a:t>
+            </a:r>
+            <a:r>
+              <a:rPr lang="en-US" dirty="0" smtClean="0"/>
+              <a:t>NFC-enabled phone</a:t>
             </a:r>
             <a:endParaRPr lang="en-US" dirty="0"/>
           </a:p>
@@ -3843,6 +3929,13 @@
   <p:clrMapOvr>
     <a:masterClrMapping/>
   </p:clrMapOvr>
+  <p:timing>
+    <p:tnLst>
+      <p:par>
+        <p:cTn id="1" dur="indefinite" restart="never" nodeType="tmRoot"/>
+      </p:par>
+    </p:tnLst>
+  </p:timing>
 </p:sld>
 </file>
 
@@ -3925,12 +4018,20 @@
           <a:lstStyle/>
           <a:p>
             <a:r>
+              <a:rPr lang="en-US" smtClean="0"/>
+              <a:t>Hack-</a:t>
+            </a:r>
+            <a:r>
               <a:rPr lang="en-US" dirty="0" err="1" smtClean="0"/>
-              <a:t>Hakc-thor</a:t>
-            </a:r>
-            <a:r>
-              <a:rPr lang="en-US" dirty="0" smtClean="0"/>
-              <a:t> (</a:t>
+              <a:t>thor</a:t>
+            </a:r>
+            <a:r>
+              <a:rPr lang="en-US" dirty="0" smtClean="0"/>
+              <a:t> </a:t>
+            </a:r>
+            <a:r>
+              <a:rPr lang="en-US" dirty="0" smtClean="0"/>
+              <a:t>(</a:t>
             </a:r>
             <a:r>
               <a:rPr lang="en-US" dirty="0" err="1" smtClean="0"/>
@@ -4053,6 +4154,13 @@
   <p:clrMapOvr>
     <a:masterClrMapping/>
   </p:clrMapOvr>
+  <p:timing>
+    <p:tnLst>
+      <p:par>
+        <p:cTn id="1" dur="indefinite" restart="never" nodeType="tmRoot"/>
+      </p:par>
+    </p:tnLst>
+  </p:timing>
 </p:sld>
 </file>
 
@@ -4113,19 +4221,52 @@
           <a:p>
             <a:r>
               <a:rPr lang="en-US" dirty="0" smtClean="0"/>
-              <a:t>Each house is NFC enabled and can recognize when you are visiting a friend, your family or your girl ; )</a:t>
-            </a:r>
-          </a:p>
-          <a:p>
-            <a:r>
-              <a:rPr lang="en-US" dirty="0" smtClean="0"/>
-              <a:t>Synchronization with your calendar and reminds you about things to take</a:t>
-            </a:r>
-          </a:p>
-          <a:p>
-            <a:r>
-              <a:rPr lang="en-US" dirty="0" smtClean="0"/>
-              <a:t>Also with your Weather App and warns you in case you forget your snow shoes, or your umbrella or your flip-flop (maybe not in Germany)</a:t>
+              <a:t>Each house is NFC enabled </a:t>
+            </a:r>
+            <a:r>
+              <a:rPr lang="en-US" dirty="0" smtClean="0"/>
+              <a:t>and your watch </a:t>
+            </a:r>
+            <a:r>
+              <a:rPr lang="en-US" dirty="0" smtClean="0"/>
+              <a:t>can recognize when you are visiting a friend, your family or your girl ; )</a:t>
+            </a:r>
+          </a:p>
+          <a:p>
+            <a:r>
+              <a:rPr lang="en-US" dirty="0" smtClean="0"/>
+              <a:t>Synchronization with your </a:t>
+            </a:r>
+            <a:r>
+              <a:rPr lang="en-US" dirty="0"/>
+              <a:t>calendar </a:t>
+            </a:r>
+            <a:r>
+              <a:rPr lang="en-US" dirty="0" smtClean="0"/>
+              <a:t>reminds </a:t>
+            </a:r>
+            <a:r>
+              <a:rPr lang="en-US" dirty="0" smtClean="0"/>
+              <a:t>you about things to </a:t>
+            </a:r>
+            <a:r>
+              <a:rPr lang="en-US" dirty="0" smtClean="0"/>
+              <a:t>take along</a:t>
+            </a:r>
+            <a:endParaRPr lang="en-US" dirty="0" smtClean="0"/>
+          </a:p>
+          <a:p>
+            <a:r>
+              <a:rPr lang="en-US" dirty="0" smtClean="0"/>
+              <a:t>Also with your Weather App and warns you in case you forget your snow shoes, or your umbrella or your </a:t>
+            </a:r>
+            <a:r>
+              <a:rPr lang="en-US" dirty="0" smtClean="0"/>
+              <a:t>flip-flops </a:t>
+            </a:r>
+            <a:r>
+              <a:rPr lang="en-US" dirty="0" smtClean="0"/>
+              <a:t>(maybe not in Germany)</a:t>
             </a:r>
             <a:endParaRPr lang="en-US" dirty="0"/>
           </a:p>
@@ -4141,6 +4282,13 @@
   <p:clrMapOvr>
     <a:masterClrMapping/>
   </p:clrMapOvr>
+  <p:timing>
+    <p:tnLst>
+      <p:par>
+        <p:cTn id="1" dur="indefinite" restart="never" nodeType="tmRoot"/>
+      </p:par>
+    </p:tnLst>
+  </p:timing>
 </p:sld>
 </file>
 
@@ -4406,7 +4554,7 @@
   <a:extraClrSchemeLst/>
   <a:extLst>
     <a:ext uri="{05A4C25C-085E-4340-85A3-A5531E510DB2}">
-      <thm15:themeFamily xmlns:thm15="http://schemas.microsoft.com/office/thememl/2012/main" name="Integral" id="{3577F8C9-A904-41D8-97D2-FD898F53F20E}" vid="{4825F1AF-8DBC-4E3D-9F3D-688338DA83FC}"/>
+      <thm15:themeFamily xmlns:thm15="http://schemas.microsoft.com/office/thememl/2012/main" xmlns="" name="Integral" id="{3577F8C9-A904-41D8-97D2-FD898F53F20E}" vid="{4825F1AF-8DBC-4E3D-9F3D-688338DA83FC}"/>
     </a:ext>
   </a:extLst>
 </a:theme>

--- a/Intro_Presentation.pptx
+++ b/Intro_Presentation.pptx
@@ -3849,33 +3849,44 @@
           <a:p>
             <a:r>
               <a:rPr lang="en-US" dirty="0" smtClean="0"/>
-              <a:t>Plan B:</a:t>
-            </a:r>
+              <a:t>Plan B</a:t>
+            </a:r>
+            <a:r>
+              <a:rPr lang="en-US" dirty="0"/>
+              <a:t>: (stupid ‘n’ shit</a:t>
+            </a:r>
+            <a:r>
+              <a:rPr lang="en-US" dirty="0" smtClean="0"/>
+              <a:t>)</a:t>
+            </a:r>
+            <a:endParaRPr lang="en-US" dirty="0" smtClean="0"/>
           </a:p>
           <a:p>
             <a:pPr lvl="1"/>
             <a:r>
               <a:rPr lang="en-US" dirty="0" smtClean="0"/>
-              <a:t>Arduino NFC </a:t>
-            </a:r>
-            <a:r>
-              <a:rPr lang="en-US" dirty="0" smtClean="0"/>
-              <a:t>Shield</a:t>
+              <a:t>Arduino NFC Shield</a:t>
             </a:r>
           </a:p>
           <a:p>
             <a:pPr lvl="1"/>
             <a:r>
-              <a:rPr lang="de-DE" b="1" dirty="0" err="1">
+              <a:rPr lang="de-DE" b="1" dirty="0" err="1" smtClean="0">
                 <a:hlinkClick r:id="rId2"/>
               </a:rPr>
               <a:t>Seeed</a:t>
             </a:r>
             <a:r>
+              <a:rPr lang="de-DE" b="1" dirty="0" smtClean="0">
+                <a:hlinkClick r:id="rId2"/>
+              </a:rPr>
+              <a:t> </a:t>
+            </a:r>
+            <a:r>
               <a:rPr lang="de-DE" b="1" dirty="0">
                 <a:hlinkClick r:id="rId2"/>
               </a:rPr>
-              <a:t> Micro BLE Module</a:t>
+              <a:t>Micro BLE Module</a:t>
             </a:r>
             <a:r>
               <a:rPr lang="de-DE" b="1" dirty="0"/>
@@ -3904,12 +3915,29 @@
               <a:rPr lang="en-US" dirty="0" smtClean="0"/>
               <a:t>Plan C</a:t>
             </a:r>
+            <a:r>
+              <a:rPr lang="en-US" dirty="0"/>
+              <a:t>: </a:t>
+            </a:r>
+            <a:r>
+              <a:rPr lang="en-US"/>
+              <a:t>(</a:t>
+            </a:r>
+            <a:r>
+              <a:rPr lang="en-US" smtClean="0"/>
+              <a:t>dumb as hell)</a:t>
+            </a:r>
+            <a:endParaRPr lang="en-US" dirty="0" smtClean="0"/>
           </a:p>
           <a:p>
             <a:pPr lvl="1"/>
             <a:r>
               <a:rPr lang="en-US" dirty="0" smtClean="0"/>
-              <a:t>Direct connection with </a:t>
+              <a:t>Direct </a:t>
+            </a:r>
+            <a:r>
+              <a:rPr lang="en-US" dirty="0" smtClean="0"/>
+              <a:t>connection with </a:t>
             </a:r>
             <a:r>
               <a:rPr lang="en-US" dirty="0" smtClean="0"/>
@@ -4018,12 +4046,8 @@
           <a:lstStyle/>
           <a:p>
             <a:r>
-              <a:rPr lang="en-US" smtClean="0"/>
-              <a:t>Hack-</a:t>
-            </a:r>
-            <a:r>
               <a:rPr lang="en-US" dirty="0" err="1" smtClean="0"/>
-              <a:t>thor</a:t>
+              <a:t>Hakc-thor</a:t>
             </a:r>
             <a:r>
               <a:rPr lang="en-US" dirty="0" smtClean="0"/>
